--- a/Architecture/Simplify MLOps for Everyone.pptx
+++ b/Architecture/Simplify MLOps for Everyone.pptx
@@ -109,11 +109,48 @@
       </a:defRPr>
     </a:lvl9pPr>
   </p:defaultTextStyle>
+  <p:extLst>
+    <p:ext uri="{EFAFB233-063F-42B5-8137-9DF3F51BA10A}">
+      <p15:sldGuideLst xmlns:p15="http://schemas.microsoft.com/office/powerpoint/2012/main"/>
+    </p:ext>
+  </p:extLst>
 </p:presentation>
+</file>
+
+<file path=ppt/revisionInfo.xml><?xml version="1.0" encoding="utf-8"?>
+<p1510:revInfo xmlns:a="http://schemas.openxmlformats.org/drawingml/2006/main" xmlns:r="http://schemas.openxmlformats.org/officeDocument/2006/relationships" xmlns:p1510="http://schemas.microsoft.com/office/powerpoint/2015/10/main">
+  <p1510:revLst>
+    <p1510:client id="{C11645C5-CBA2-410F-BC35-9EEA8E214A83}" v="32" dt="2021-09-15T11:48:03.409"/>
+  </p1510:revLst>
+</p1510:revInfo>
 </file>
 
 <file path=ppt/changesInfos/changesInfo1.xml><?xml version="1.0" encoding="utf-8"?>
 <pc:chgInfo xmlns:a="http://schemas.openxmlformats.org/drawingml/2006/main" xmlns:r="http://schemas.openxmlformats.org/officeDocument/2006/relationships" xmlns:ac="http://schemas.microsoft.com/office/drawing/2013/main/command" xmlns:pc="http://schemas.microsoft.com/office/powerpoint/2013/main/command">
+  <pc:docChgLst>
+    <pc:chgData name="Balamurugan Balakreshnan" userId="35e9483b-bf32-4d17-a07b-837bc83be0f5" providerId="ADAL" clId="{C11645C5-CBA2-410F-BC35-9EEA8E214A83}"/>
+    <pc:docChg chg="modSld">
+      <pc:chgData name="Balamurugan Balakreshnan" userId="35e9483b-bf32-4d17-a07b-837bc83be0f5" providerId="ADAL" clId="{C11645C5-CBA2-410F-BC35-9EEA8E214A83}" dt="2021-09-15T11:48:03.408" v="31" actId="20577"/>
+      <pc:docMkLst>
+        <pc:docMk/>
+      </pc:docMkLst>
+      <pc:sldChg chg="modSp modAnim">
+        <pc:chgData name="Balamurugan Balakreshnan" userId="35e9483b-bf32-4d17-a07b-837bc83be0f5" providerId="ADAL" clId="{C11645C5-CBA2-410F-BC35-9EEA8E214A83}" dt="2021-09-15T11:48:03.408" v="31" actId="20577"/>
+        <pc:sldMkLst>
+          <pc:docMk/>
+          <pc:sldMk cId="3829478940" sldId="256"/>
+        </pc:sldMkLst>
+        <pc:spChg chg="mod">
+          <ac:chgData name="Balamurugan Balakreshnan" userId="35e9483b-bf32-4d17-a07b-837bc83be0f5" providerId="ADAL" clId="{C11645C5-CBA2-410F-BC35-9EEA8E214A83}" dt="2021-09-15T11:48:03.408" v="31" actId="20577"/>
+          <ac:spMkLst>
+            <pc:docMk/>
+            <pc:sldMk cId="3829478940" sldId="256"/>
+            <ac:spMk id="3" creationId="{875CA2EF-79FB-49A4-AFF2-B256DEE55F42}"/>
+          </ac:spMkLst>
+        </pc:spChg>
+      </pc:sldChg>
+    </pc:docChg>
+  </pc:docChgLst>
   <pc:docChgLst>
     <pc:chgData name="Balamurugan Balakreshnan" userId="35e9483b-bf32-4d17-a07b-837bc83be0f5" providerId="ADAL" clId="{AF82DA0E-9400-408C-B3D3-4FCA4FB67F83}"/>
     <pc:docChg chg="custSel addSld modSld">
@@ -10705,7 +10742,7 @@
                   <a:schemeClr val="tx2"/>
                 </a:solidFill>
               </a:rPr>
-              <a:t>AI for Everyone</a:t>
+              <a:t>Hackathon FY 22</a:t>
             </a:r>
           </a:p>
         </p:txBody>
